--- a/Presentation.pptx
+++ b/Presentation.pptx
@@ -3088,21 +3088,8 @@
                   <a:srgbClr val="C00000"/>
                 </a:solidFill>
               </a:rPr>
-              <a:t>ANIRUDH R – </a:t>
-            </a:r>
-            <a:r>
-              <a:rPr lang="en-US" b="1" smtClean="0">
-                <a:solidFill>
-                  <a:srgbClr val="C00000"/>
-                </a:solidFill>
-              </a:rPr>
-              <a:t>PES2201800068</a:t>
-            </a:r>
-            <a:endParaRPr lang="en-US" b="1" smtClean="0">
-              <a:solidFill>
-                <a:srgbClr val="C00000"/>
-              </a:solidFill>
-            </a:endParaRPr>
+              <a:t>ANIRUDH R – PES2201800068</a:t>
+            </a:r>
           </a:p>
           <a:p>
             <a:r>
